--- a/クリエイティブ/171207/✔︎.pptx
+++ b/クリエイティブ/171207/✔︎.pptx
@@ -5,12 +5,13 @@
     <p:sldMasterId id="2147483648" r:id="rId1"/>
   </p:sldMasterIdLst>
   <p:notesMasterIdLst>
-    <p:notesMasterId r:id="rId5"/>
+    <p:notesMasterId r:id="rId6"/>
   </p:notesMasterIdLst>
   <p:sldIdLst>
     <p:sldId id="256" r:id="rId2"/>
     <p:sldId id="258" r:id="rId3"/>
     <p:sldId id="257" r:id="rId4"/>
+    <p:sldId id="259" r:id="rId5"/>
   </p:sldIdLst>
   <p:sldSz cx="12192000" cy="6858000"/>
   <p:notesSz cx="6858000" cy="9144000"/>
@@ -4979,16 +4980,7 @@
                           </a:solidFill>
                           <a:effectLst/>
                         </a:rPr>
-                        <a:t>現状</a:t>
-                      </a:r>
-                      <a:r>
-                        <a:rPr lang="ja-JP" altLang="en-US" b="0" dirty="0" smtClean="0">
-                          <a:solidFill>
-                            <a:schemeClr val="tx1"/>
-                          </a:solidFill>
-                          <a:effectLst/>
-                        </a:rPr>
-                        <a:t>、すべてテキストのみのコンテンツとなっており、コンテンツの時間軸がわかりにくくなっている。</a:t>
+                        <a:t>現状、すべてテキストのみのコンテンツとなっており、コンテンツの時間軸がわかりにくくなっている。</a:t>
                       </a:r>
                       <a:endParaRPr lang="en-US" altLang="ja-JP" b="0" dirty="0" smtClean="0">
                         <a:solidFill>
@@ -6824,6 +6816,950 @@
     <p:extLst>
       <p:ext uri="{BB962C8B-B14F-4D97-AF65-F5344CB8AC3E}">
         <p14:creationId xmlns:p14="http://schemas.microsoft.com/office/powerpoint/2010/main" val="438898309"/>
+      </p:ext>
+    </p:extLst>
+  </p:cSld>
+  <p:clrMapOvr>
+    <a:masterClrMapping/>
+  </p:clrMapOvr>
+  <p:timing>
+    <p:tnLst>
+      <p:par>
+        <p:cTn id="1" dur="indefinite" restart="never" nodeType="tmRoot"/>
+      </p:par>
+    </p:tnLst>
+  </p:timing>
+</p:sld>
+</file>
+
+<file path=ppt/slides/slide4.xml><?xml version="1.0" encoding="utf-8"?>
+<p:sld xmlns:a="http://schemas.openxmlformats.org/drawingml/2006/main" xmlns:r="http://schemas.openxmlformats.org/officeDocument/2006/relationships" xmlns:p="http://schemas.openxmlformats.org/presentationml/2006/main">
+  <p:cSld>
+    <p:spTree>
+      <p:nvGrpSpPr>
+        <p:cNvPr id="1" name=""/>
+        <p:cNvGrpSpPr/>
+        <p:nvPr/>
+      </p:nvGrpSpPr>
+      <p:grpSpPr>
+        <a:xfrm>
+          <a:off x="0" y="0"/>
+          <a:ext cx="0" cy="0"/>
+          <a:chOff x="0" y="0"/>
+          <a:chExt cx="0" cy="0"/>
+        </a:xfrm>
+      </p:grpSpPr>
+      <p:graphicFrame>
+        <p:nvGraphicFramePr>
+          <p:cNvPr id="4" name="表 3"/>
+          <p:cNvGraphicFramePr>
+            <a:graphicFrameLocks noGrp="1"/>
+          </p:cNvGraphicFramePr>
+          <p:nvPr>
+            <p:extLst>
+              <p:ext uri="{D42A27DB-BD31-4B8C-83A1-F6EECF244321}">
+                <p14:modId xmlns:p14="http://schemas.microsoft.com/office/powerpoint/2010/main" val="2005341441"/>
+              </p:ext>
+            </p:extLst>
+          </p:nvPr>
+        </p:nvGraphicFramePr>
+        <p:xfrm>
+          <a:off x="338203" y="356411"/>
+          <a:ext cx="8128000" cy="741680"/>
+        </p:xfrm>
+        <a:graphic>
+          <a:graphicData uri="http://schemas.openxmlformats.org/drawingml/2006/table">
+            <a:tbl>
+              <a:tblPr firstRow="1" bandRow="1">
+                <a:tableStyleId>{5C22544A-7EE6-4342-B048-85BDC9FD1C3A}</a:tableStyleId>
+              </a:tblPr>
+              <a:tblGrid>
+                <a:gridCol w="1851070"/>
+                <a:gridCol w="6276930"/>
+              </a:tblGrid>
+              <a:tr h="370840">
+                <a:tc>
+                  <a:txBody>
+                    <a:bodyPr/>
+                    <a:lstStyle/>
+                    <a:p>
+                      <a:r>
+                        <a:rPr kumimoji="1" lang="ja-JP" altLang="en-US" b="0" dirty="0" smtClean="0">
+                          <a:solidFill>
+                            <a:sysClr val="windowText" lastClr="000000"/>
+                          </a:solidFill>
+                        </a:rPr>
+                        <a:t>クライアント</a:t>
+                      </a:r>
+                      <a:endParaRPr kumimoji="1" lang="ja-JP" altLang="en-US" b="0" dirty="0">
+                        <a:solidFill>
+                          <a:sysClr val="windowText" lastClr="000000"/>
+                        </a:solidFill>
+                      </a:endParaRPr>
+                    </a:p>
+                  </a:txBody>
+                  <a:tcPr>
+                    <a:lnL w="12700" cap="flat" cmpd="sng" algn="ctr">
+                      <a:solidFill>
+                        <a:schemeClr val="tx1"/>
+                      </a:solidFill>
+                      <a:prstDash val="solid"/>
+                      <a:round/>
+                      <a:headEnd type="none" w="med" len="med"/>
+                      <a:tailEnd type="none" w="med" len="med"/>
+                    </a:lnL>
+                    <a:lnR w="12700" cap="flat" cmpd="sng" algn="ctr">
+                      <a:solidFill>
+                        <a:schemeClr val="tx1"/>
+                      </a:solidFill>
+                      <a:prstDash val="solid"/>
+                      <a:round/>
+                      <a:headEnd type="none" w="med" len="med"/>
+                      <a:tailEnd type="none" w="med" len="med"/>
+                    </a:lnR>
+                    <a:lnT w="12700" cap="flat" cmpd="sng" algn="ctr">
+                      <a:solidFill>
+                        <a:schemeClr val="tx1"/>
+                      </a:solidFill>
+                      <a:prstDash val="solid"/>
+                      <a:round/>
+                      <a:headEnd type="none" w="med" len="med"/>
+                      <a:tailEnd type="none" w="med" len="med"/>
+                    </a:lnT>
+                    <a:lnB w="12700" cap="flat" cmpd="sng" algn="ctr">
+                      <a:solidFill>
+                        <a:schemeClr val="tx1"/>
+                      </a:solidFill>
+                      <a:prstDash val="solid"/>
+                      <a:round/>
+                      <a:headEnd type="none" w="med" len="med"/>
+                      <a:tailEnd type="none" w="med" len="med"/>
+                    </a:lnB>
+                    <a:lnTlToBr w="12700" cmpd="sng">
+                      <a:noFill/>
+                      <a:prstDash val="solid"/>
+                    </a:lnTlToBr>
+                    <a:lnBlToTr w="12700" cmpd="sng">
+                      <a:noFill/>
+                      <a:prstDash val="solid"/>
+                    </a:lnBlToTr>
+                    <a:solidFill>
+                      <a:schemeClr val="accent5">
+                        <a:lumMod val="20000"/>
+                        <a:lumOff val="80000"/>
+                      </a:schemeClr>
+                    </a:solidFill>
+                  </a:tcPr>
+                </a:tc>
+                <a:tc>
+                  <a:txBody>
+                    <a:bodyPr/>
+                    <a:lstStyle/>
+                    <a:p>
+                      <a:r>
+                        <a:rPr kumimoji="1" lang="ja-JP" altLang="en-US" b="0" dirty="0" smtClean="0">
+                          <a:solidFill>
+                            <a:sysClr val="windowText" lastClr="000000"/>
+                          </a:solidFill>
+                        </a:rPr>
+                        <a:t>東芝メディカル</a:t>
+                      </a:r>
+                      <a:endParaRPr kumimoji="1" lang="ja-JP" altLang="en-US" b="0" dirty="0">
+                        <a:solidFill>
+                          <a:sysClr val="windowText" lastClr="000000"/>
+                        </a:solidFill>
+                      </a:endParaRPr>
+                    </a:p>
+                  </a:txBody>
+                  <a:tcPr>
+                    <a:lnL w="12700" cap="flat" cmpd="sng" algn="ctr">
+                      <a:solidFill>
+                        <a:schemeClr val="tx1"/>
+                      </a:solidFill>
+                      <a:prstDash val="solid"/>
+                      <a:round/>
+                      <a:headEnd type="none" w="med" len="med"/>
+                      <a:tailEnd type="none" w="med" len="med"/>
+                    </a:lnL>
+                    <a:lnR w="12700" cap="flat" cmpd="sng" algn="ctr">
+                      <a:solidFill>
+                        <a:schemeClr val="tx1"/>
+                      </a:solidFill>
+                      <a:prstDash val="solid"/>
+                      <a:round/>
+                      <a:headEnd type="none" w="med" len="med"/>
+                      <a:tailEnd type="none" w="med" len="med"/>
+                    </a:lnR>
+                    <a:lnT w="12700" cap="flat" cmpd="sng" algn="ctr">
+                      <a:solidFill>
+                        <a:schemeClr val="tx1"/>
+                      </a:solidFill>
+                      <a:prstDash val="solid"/>
+                      <a:round/>
+                      <a:headEnd type="none" w="med" len="med"/>
+                      <a:tailEnd type="none" w="med" len="med"/>
+                    </a:lnT>
+                    <a:lnB w="12700" cap="flat" cmpd="sng" algn="ctr">
+                      <a:solidFill>
+                        <a:schemeClr val="tx1"/>
+                      </a:solidFill>
+                      <a:prstDash val="solid"/>
+                      <a:round/>
+                      <a:headEnd type="none" w="med" len="med"/>
+                      <a:tailEnd type="none" w="med" len="med"/>
+                    </a:lnB>
+                    <a:lnTlToBr w="12700" cmpd="sng">
+                      <a:noFill/>
+                      <a:prstDash val="solid"/>
+                    </a:lnTlToBr>
+                    <a:lnBlToTr w="12700" cmpd="sng">
+                      <a:noFill/>
+                      <a:prstDash val="solid"/>
+                    </a:lnBlToTr>
+                    <a:solidFill>
+                      <a:schemeClr val="bg1"/>
+                    </a:solidFill>
+                  </a:tcPr>
+                </a:tc>
+              </a:tr>
+              <a:tr h="370840">
+                <a:tc>
+                  <a:txBody>
+                    <a:bodyPr/>
+                    <a:lstStyle/>
+                    <a:p>
+                      <a:r>
+                        <a:rPr kumimoji="1" lang="ja-JP" altLang="en-US" b="0" dirty="0" smtClean="0">
+                          <a:solidFill>
+                            <a:sysClr val="windowText" lastClr="000000"/>
+                          </a:solidFill>
+                        </a:rPr>
+                        <a:t>企画名</a:t>
+                      </a:r>
+                      <a:endParaRPr kumimoji="1" lang="ja-JP" altLang="en-US" b="0" dirty="0">
+                        <a:solidFill>
+                          <a:sysClr val="windowText" lastClr="000000"/>
+                        </a:solidFill>
+                      </a:endParaRPr>
+                    </a:p>
+                  </a:txBody>
+                  <a:tcPr>
+                    <a:lnL w="12700" cap="flat" cmpd="sng" algn="ctr">
+                      <a:solidFill>
+                        <a:schemeClr val="tx1"/>
+                      </a:solidFill>
+                      <a:prstDash val="solid"/>
+                      <a:round/>
+                      <a:headEnd type="none" w="med" len="med"/>
+                      <a:tailEnd type="none" w="med" len="med"/>
+                    </a:lnL>
+                    <a:lnR w="12700" cap="flat" cmpd="sng" algn="ctr">
+                      <a:solidFill>
+                        <a:schemeClr val="tx1"/>
+                      </a:solidFill>
+                      <a:prstDash val="solid"/>
+                      <a:round/>
+                      <a:headEnd type="none" w="med" len="med"/>
+                      <a:tailEnd type="none" w="med" len="med"/>
+                    </a:lnR>
+                    <a:lnT w="12700" cap="flat" cmpd="sng" algn="ctr">
+                      <a:solidFill>
+                        <a:schemeClr val="tx1"/>
+                      </a:solidFill>
+                      <a:prstDash val="solid"/>
+                      <a:round/>
+                      <a:headEnd type="none" w="med" len="med"/>
+                      <a:tailEnd type="none" w="med" len="med"/>
+                    </a:lnT>
+                    <a:lnB w="12700" cap="flat" cmpd="sng" algn="ctr">
+                      <a:solidFill>
+                        <a:schemeClr val="tx1"/>
+                      </a:solidFill>
+                      <a:prstDash val="solid"/>
+                      <a:round/>
+                      <a:headEnd type="none" w="med" len="med"/>
+                      <a:tailEnd type="none" w="med" len="med"/>
+                    </a:lnB>
+                    <a:lnTlToBr w="12700" cmpd="sng">
+                      <a:noFill/>
+                      <a:prstDash val="solid"/>
+                    </a:lnTlToBr>
+                    <a:lnBlToTr w="12700" cmpd="sng">
+                      <a:noFill/>
+                      <a:prstDash val="solid"/>
+                    </a:lnBlToTr>
+                    <a:solidFill>
+                      <a:schemeClr val="accent5">
+                        <a:lumMod val="20000"/>
+                        <a:lumOff val="80000"/>
+                      </a:schemeClr>
+                    </a:solidFill>
+                  </a:tcPr>
+                </a:tc>
+                <a:tc>
+                  <a:txBody>
+                    <a:bodyPr/>
+                    <a:lstStyle/>
+                    <a:p>
+                      <a:r>
+                        <a:rPr kumimoji="1" lang="en-US" altLang="ja-JP" b="0" dirty="0" err="1" smtClean="0">
+                          <a:solidFill>
+                            <a:sysClr val="windowText" lastClr="000000"/>
+                          </a:solidFill>
+                        </a:rPr>
+                        <a:t>MiDoLi</a:t>
+                      </a:r>
+                      <a:r>
+                        <a:rPr kumimoji="1" lang="ja-JP" altLang="en-US" b="0" dirty="0" smtClean="0">
+                          <a:solidFill>
+                            <a:sysClr val="windowText" lastClr="000000"/>
+                          </a:solidFill>
+                        </a:rPr>
+                        <a:t>　教えて！あの職種のワークスタイル</a:t>
+                      </a:r>
+                      <a:endParaRPr kumimoji="1" lang="ja-JP" altLang="en-US" b="0" dirty="0">
+                        <a:solidFill>
+                          <a:sysClr val="windowText" lastClr="000000"/>
+                        </a:solidFill>
+                      </a:endParaRPr>
+                    </a:p>
+                  </a:txBody>
+                  <a:tcPr>
+                    <a:lnL w="12700" cap="flat" cmpd="sng" algn="ctr">
+                      <a:solidFill>
+                        <a:schemeClr val="tx1"/>
+                      </a:solidFill>
+                      <a:prstDash val="solid"/>
+                      <a:round/>
+                      <a:headEnd type="none" w="med" len="med"/>
+                      <a:tailEnd type="none" w="med" len="med"/>
+                    </a:lnL>
+                    <a:lnR w="12700" cap="flat" cmpd="sng" algn="ctr">
+                      <a:solidFill>
+                        <a:schemeClr val="tx1"/>
+                      </a:solidFill>
+                      <a:prstDash val="solid"/>
+                      <a:round/>
+                      <a:headEnd type="none" w="med" len="med"/>
+                      <a:tailEnd type="none" w="med" len="med"/>
+                    </a:lnR>
+                    <a:lnT w="12700" cap="flat" cmpd="sng" algn="ctr">
+                      <a:solidFill>
+                        <a:schemeClr val="tx1"/>
+                      </a:solidFill>
+                      <a:prstDash val="solid"/>
+                      <a:round/>
+                      <a:headEnd type="none" w="med" len="med"/>
+                      <a:tailEnd type="none" w="med" len="med"/>
+                    </a:lnT>
+                    <a:lnB w="12700" cap="flat" cmpd="sng" algn="ctr">
+                      <a:solidFill>
+                        <a:schemeClr val="tx1"/>
+                      </a:solidFill>
+                      <a:prstDash val="solid"/>
+                      <a:round/>
+                      <a:headEnd type="none" w="med" len="med"/>
+                      <a:tailEnd type="none" w="med" len="med"/>
+                    </a:lnB>
+                    <a:lnTlToBr w="12700" cmpd="sng">
+                      <a:noFill/>
+                      <a:prstDash val="solid"/>
+                    </a:lnTlToBr>
+                    <a:lnBlToTr w="12700" cmpd="sng">
+                      <a:noFill/>
+                      <a:prstDash val="solid"/>
+                    </a:lnBlToTr>
+                    <a:solidFill>
+                      <a:schemeClr val="bg1"/>
+                    </a:solidFill>
+                  </a:tcPr>
+                </a:tc>
+              </a:tr>
+            </a:tbl>
+          </a:graphicData>
+        </a:graphic>
+      </p:graphicFrame>
+      <p:graphicFrame>
+        <p:nvGraphicFramePr>
+          <p:cNvPr id="5" name="表 4"/>
+          <p:cNvGraphicFramePr>
+            <a:graphicFrameLocks noGrp="1"/>
+          </p:cNvGraphicFramePr>
+          <p:nvPr>
+            <p:extLst>
+              <p:ext uri="{D42A27DB-BD31-4B8C-83A1-F6EECF244321}">
+                <p14:modId xmlns:p14="http://schemas.microsoft.com/office/powerpoint/2010/main" val="604707920"/>
+              </p:ext>
+            </p:extLst>
+          </p:nvPr>
+        </p:nvGraphicFramePr>
+        <p:xfrm>
+          <a:off x="338203" y="1283337"/>
+          <a:ext cx="11446006" cy="2495765"/>
+        </p:xfrm>
+        <a:graphic>
+          <a:graphicData uri="http://schemas.openxmlformats.org/drawingml/2006/table">
+            <a:tbl>
+              <a:tblPr firstRow="1" bandRow="1">
+                <a:tableStyleId>{5C22544A-7EE6-4342-B048-85BDC9FD1C3A}</a:tableStyleId>
+              </a:tblPr>
+              <a:tblGrid>
+                <a:gridCol w="2176747"/>
+                <a:gridCol w="9269259"/>
+              </a:tblGrid>
+              <a:tr h="370840">
+                <a:tc>
+                  <a:txBody>
+                    <a:bodyPr/>
+                    <a:lstStyle/>
+                    <a:p>
+                      <a:r>
+                        <a:rPr kumimoji="1" lang="ja-JP" altLang="en-US" b="0" dirty="0" smtClean="0">
+                          <a:ln>
+                            <a:solidFill>
+                              <a:schemeClr val="tx1"/>
+                            </a:solidFill>
+                          </a:ln>
+                          <a:solidFill>
+                            <a:schemeClr val="tx1"/>
+                          </a:solidFill>
+                          <a:latin typeface="+mn-lt"/>
+                        </a:rPr>
+                        <a:t>レイアウト</a:t>
+                      </a:r>
+                      <a:endParaRPr kumimoji="1" lang="ja-JP" altLang="en-US" b="0" dirty="0">
+                        <a:ln>
+                          <a:solidFill>
+                            <a:schemeClr val="tx1"/>
+                          </a:solidFill>
+                        </a:ln>
+                        <a:solidFill>
+                          <a:schemeClr val="tx1"/>
+                        </a:solidFill>
+                        <a:latin typeface="+mn-lt"/>
+                      </a:endParaRPr>
+                    </a:p>
+                  </a:txBody>
+                  <a:tcPr>
+                    <a:lnL w="12700" cap="flat" cmpd="sng" algn="ctr">
+                      <a:solidFill>
+                        <a:schemeClr val="tx1"/>
+                      </a:solidFill>
+                      <a:prstDash val="solid"/>
+                      <a:round/>
+                      <a:headEnd type="none" w="med" len="med"/>
+                      <a:tailEnd type="none" w="med" len="med"/>
+                    </a:lnL>
+                    <a:lnR w="12700" cap="flat" cmpd="sng" algn="ctr">
+                      <a:solidFill>
+                        <a:schemeClr val="tx1"/>
+                      </a:solidFill>
+                      <a:prstDash val="solid"/>
+                      <a:round/>
+                      <a:headEnd type="none" w="med" len="med"/>
+                      <a:tailEnd type="none" w="med" len="med"/>
+                    </a:lnR>
+                    <a:lnT w="12700" cap="flat" cmpd="sng" algn="ctr">
+                      <a:solidFill>
+                        <a:schemeClr val="tx1"/>
+                      </a:solidFill>
+                      <a:prstDash val="solid"/>
+                      <a:round/>
+                      <a:headEnd type="none" w="med" len="med"/>
+                      <a:tailEnd type="none" w="med" len="med"/>
+                    </a:lnT>
+                    <a:lnB w="12700" cap="flat" cmpd="sng" algn="ctr">
+                      <a:solidFill>
+                        <a:schemeClr val="tx1"/>
+                      </a:solidFill>
+                      <a:prstDash val="solid"/>
+                      <a:round/>
+                      <a:headEnd type="none" w="med" len="med"/>
+                      <a:tailEnd type="none" w="med" len="med"/>
+                    </a:lnB>
+                    <a:solidFill>
+                      <a:schemeClr val="accent5">
+                        <a:lumMod val="20000"/>
+                        <a:lumOff val="80000"/>
+                      </a:schemeClr>
+                    </a:solidFill>
+                  </a:tcPr>
+                </a:tc>
+                <a:tc>
+                  <a:txBody>
+                    <a:bodyPr/>
+                    <a:lstStyle/>
+                    <a:p>
+                      <a:r>
+                        <a:rPr lang="ja-JP" altLang="en-US" sz="1800" b="0" dirty="0" smtClean="0">
+                          <a:solidFill>
+                            <a:schemeClr val="tx1"/>
+                          </a:solidFill>
+                          <a:effectLst/>
+                          <a:latin typeface="+mj-ea"/>
+                          <a:ea typeface="+mj-ea"/>
+                        </a:rPr>
+                        <a:t>現状では完全に文字と写真が分離してしまっていて、重たい印象を受ける。</a:t>
+                      </a:r>
+                      <a:endParaRPr lang="en-US" altLang="ja-JP" sz="1800" b="0" dirty="0" smtClean="0">
+                        <a:solidFill>
+                          <a:schemeClr val="tx1"/>
+                        </a:solidFill>
+                        <a:effectLst/>
+                        <a:latin typeface="+mj-ea"/>
+                        <a:ea typeface="+mj-ea"/>
+                      </a:endParaRPr>
+                    </a:p>
+                    <a:p>
+                      <a:r>
+                        <a:rPr lang="ja-JP" altLang="en-US" sz="1800" b="0" dirty="0" smtClean="0">
+                          <a:solidFill>
+                            <a:schemeClr val="tx1"/>
+                          </a:solidFill>
+                          <a:effectLst/>
+                          <a:latin typeface="+mj-ea"/>
+                          <a:ea typeface="+mj-ea"/>
+                        </a:rPr>
+                        <a:t>見開きで帯を作り、目線の流れを作ることで動きのある紙面となる。</a:t>
+                      </a:r>
+                      <a:endParaRPr lang="en-US" altLang="ja-JP" sz="1800" b="0" dirty="0" smtClean="0">
+                        <a:solidFill>
+                          <a:schemeClr val="tx1"/>
+                        </a:solidFill>
+                        <a:effectLst/>
+                        <a:latin typeface="+mj-ea"/>
+                        <a:ea typeface="+mj-ea"/>
+                      </a:endParaRPr>
+                    </a:p>
+                    <a:p>
+                      <a:pPr marL="0" marR="0" indent="0" algn="l" defTabSz="914400" rtl="0" eaLnBrk="1" fontAlgn="auto" latinLnBrk="0" hangingPunct="1">
+                        <a:lnSpc>
+                          <a:spcPct val="100000"/>
+                        </a:lnSpc>
+                        <a:spcBef>
+                          <a:spcPts val="0"/>
+                        </a:spcBef>
+                        <a:spcAft>
+                          <a:spcPts val="0"/>
+                        </a:spcAft>
+                        <a:buClrTx/>
+                        <a:buSzTx/>
+                        <a:buFontTx/>
+                        <a:buNone/>
+                        <a:tabLst/>
+                        <a:defRPr/>
+                      </a:pPr>
+                      <a:r>
+                        <a:rPr kumimoji="1" lang="ja-JP" altLang="en-US" sz="1800" b="0" kern="1200" dirty="0" smtClean="0">
+                          <a:solidFill>
+                            <a:schemeClr val="tx1"/>
+                          </a:solidFill>
+                          <a:effectLst/>
+                          <a:latin typeface="+mj-ea"/>
+                          <a:ea typeface="+mn-ea"/>
+                          <a:cs typeface="+mn-cs"/>
+                        </a:rPr>
+                        <a:t>帯に部署の紹介を入れ、どこの部署なのか強調</a:t>
+                      </a:r>
+                      <a:r>
+                        <a:rPr kumimoji="1" lang="ja-JP" altLang="en-US" sz="1800" b="0" kern="1200" smtClean="0">
+                          <a:solidFill>
+                            <a:schemeClr val="tx1"/>
+                          </a:solidFill>
+                          <a:effectLst/>
+                          <a:latin typeface="+mj-ea"/>
+                          <a:ea typeface="+mn-ea"/>
+                          <a:cs typeface="+mn-cs"/>
+                        </a:rPr>
+                        <a:t>する。</a:t>
+                      </a:r>
+                      <a:r>
+                        <a:rPr lang="ja-JP" altLang="en-US" sz="1800" b="0" smtClean="0">
+                          <a:solidFill>
+                            <a:schemeClr val="tx1"/>
+                          </a:solidFill>
+                          <a:effectLst/>
+                          <a:latin typeface="+mj-ea"/>
+                          <a:ea typeface="+mj-ea"/>
+                        </a:rPr>
+                        <a:t>帯</a:t>
+                      </a:r>
+                      <a:r>
+                        <a:rPr lang="ja-JP" altLang="en-US" sz="1800" b="0" dirty="0" smtClean="0">
+                          <a:solidFill>
+                            <a:schemeClr val="tx1"/>
+                          </a:solidFill>
+                          <a:effectLst/>
+                          <a:latin typeface="+mj-ea"/>
+                          <a:ea typeface="+mj-ea"/>
+                        </a:rPr>
+                        <a:t>の上下に記事を入れることで文字を羅列しても重たくなりすぎず、文章量がもたらす紙面を見たときのとどこおった印象を軽減することができる。</a:t>
+                      </a:r>
+                      <a:endParaRPr lang="en-US" altLang="ja-JP" sz="1800" b="0" dirty="0" smtClean="0">
+                        <a:solidFill>
+                          <a:schemeClr val="tx1"/>
+                        </a:solidFill>
+                        <a:effectLst/>
+                        <a:latin typeface="+mj-ea"/>
+                        <a:ea typeface="+mj-ea"/>
+                      </a:endParaRPr>
+                    </a:p>
+                    <a:p>
+                      <a:r>
+                        <a:rPr lang="ja-JP" altLang="en-US" sz="1800" b="0" dirty="0" smtClean="0">
+                          <a:solidFill>
+                            <a:schemeClr val="tx1"/>
+                          </a:solidFill>
+                          <a:effectLst/>
+                          <a:latin typeface="+mj-ea"/>
+                          <a:ea typeface="+mj-ea"/>
+                        </a:rPr>
+                        <a:t>フリーレイアウトなので記事の増減に対応できる。</a:t>
+                      </a:r>
+                      <a:endParaRPr lang="en-US" altLang="ja-JP" sz="1800" b="0" dirty="0" smtClean="0">
+                        <a:solidFill>
+                          <a:schemeClr val="tx1"/>
+                        </a:solidFill>
+                        <a:effectLst/>
+                        <a:latin typeface="+mj-ea"/>
+                        <a:ea typeface="+mj-ea"/>
+                      </a:endParaRPr>
+                    </a:p>
+                  </a:txBody>
+                  <a:tcPr anchor="ctr">
+                    <a:lnL w="12700" cap="flat" cmpd="sng" algn="ctr">
+                      <a:solidFill>
+                        <a:schemeClr val="tx1"/>
+                      </a:solidFill>
+                      <a:prstDash val="solid"/>
+                      <a:round/>
+                      <a:headEnd type="none" w="med" len="med"/>
+                      <a:tailEnd type="none" w="med" len="med"/>
+                    </a:lnL>
+                    <a:lnR w="12700" cap="flat" cmpd="sng" algn="ctr">
+                      <a:solidFill>
+                        <a:schemeClr val="tx1"/>
+                      </a:solidFill>
+                      <a:prstDash val="solid"/>
+                      <a:round/>
+                      <a:headEnd type="none" w="med" len="med"/>
+                      <a:tailEnd type="none" w="med" len="med"/>
+                    </a:lnR>
+                    <a:lnT w="12700" cap="flat" cmpd="sng" algn="ctr">
+                      <a:solidFill>
+                        <a:schemeClr val="tx1"/>
+                      </a:solidFill>
+                      <a:prstDash val="solid"/>
+                      <a:round/>
+                      <a:headEnd type="none" w="med" len="med"/>
+                      <a:tailEnd type="none" w="med" len="med"/>
+                    </a:lnT>
+                    <a:lnB w="12700" cap="flat" cmpd="sng" algn="ctr">
+                      <a:solidFill>
+                        <a:schemeClr val="tx1"/>
+                      </a:solidFill>
+                      <a:prstDash val="solid"/>
+                      <a:round/>
+                      <a:headEnd type="none" w="med" len="med"/>
+                      <a:tailEnd type="none" w="med" len="med"/>
+                    </a:lnB>
+                    <a:solidFill>
+                      <a:schemeClr val="bg1"/>
+                    </a:solidFill>
+                  </a:tcPr>
+                </a:tc>
+              </a:tr>
+              <a:tr h="387565">
+                <a:tc>
+                  <a:txBody>
+                    <a:bodyPr/>
+                    <a:lstStyle/>
+                    <a:p>
+                      <a:r>
+                        <a:rPr kumimoji="1" lang="ja-JP" altLang="en-US" b="0" dirty="0" smtClean="0">
+                          <a:ln>
+                            <a:solidFill>
+                              <a:schemeClr val="tx1"/>
+                            </a:solidFill>
+                          </a:ln>
+                          <a:solidFill>
+                            <a:schemeClr val="tx1"/>
+                          </a:solidFill>
+                          <a:latin typeface="+mn-lt"/>
+                        </a:rPr>
+                        <a:t>カラートーン</a:t>
+                      </a:r>
+                      <a:endParaRPr kumimoji="1" lang="ja-JP" altLang="en-US" b="0" dirty="0">
+                        <a:ln>
+                          <a:solidFill>
+                            <a:schemeClr val="tx1"/>
+                          </a:solidFill>
+                        </a:ln>
+                        <a:solidFill>
+                          <a:schemeClr val="tx1"/>
+                        </a:solidFill>
+                        <a:latin typeface="+mn-lt"/>
+                      </a:endParaRPr>
+                    </a:p>
+                  </a:txBody>
+                  <a:tcPr>
+                    <a:lnL w="12700" cap="flat" cmpd="sng" algn="ctr">
+                      <a:solidFill>
+                        <a:schemeClr val="tx1"/>
+                      </a:solidFill>
+                      <a:prstDash val="solid"/>
+                      <a:round/>
+                      <a:headEnd type="none" w="med" len="med"/>
+                      <a:tailEnd type="none" w="med" len="med"/>
+                    </a:lnL>
+                    <a:lnR w="12700" cap="flat" cmpd="sng" algn="ctr">
+                      <a:solidFill>
+                        <a:schemeClr val="tx1"/>
+                      </a:solidFill>
+                      <a:prstDash val="solid"/>
+                      <a:round/>
+                      <a:headEnd type="none" w="med" len="med"/>
+                      <a:tailEnd type="none" w="med" len="med"/>
+                    </a:lnR>
+                    <a:lnT w="12700" cap="flat" cmpd="sng" algn="ctr">
+                      <a:solidFill>
+                        <a:schemeClr val="tx1"/>
+                      </a:solidFill>
+                      <a:prstDash val="solid"/>
+                      <a:round/>
+                      <a:headEnd type="none" w="med" len="med"/>
+                      <a:tailEnd type="none" w="med" len="med"/>
+                    </a:lnT>
+                    <a:lnB w="12700" cap="flat" cmpd="sng" algn="ctr">
+                      <a:solidFill>
+                        <a:schemeClr val="tx1"/>
+                      </a:solidFill>
+                      <a:prstDash val="solid"/>
+                      <a:round/>
+                      <a:headEnd type="none" w="med" len="med"/>
+                      <a:tailEnd type="none" w="med" len="med"/>
+                    </a:lnB>
+                    <a:solidFill>
+                      <a:schemeClr val="accent5">
+                        <a:lumMod val="20000"/>
+                        <a:lumOff val="80000"/>
+                      </a:schemeClr>
+                    </a:solidFill>
+                  </a:tcPr>
+                </a:tc>
+                <a:tc>
+                  <a:txBody>
+                    <a:bodyPr/>
+                    <a:lstStyle/>
+                    <a:p>
+                      <a:pPr marL="0" marR="0" indent="0" algn="l" defTabSz="914400" rtl="0" eaLnBrk="1" fontAlgn="auto" latinLnBrk="0" hangingPunct="1">
+                        <a:lnSpc>
+                          <a:spcPct val="100000"/>
+                        </a:lnSpc>
+                        <a:spcBef>
+                          <a:spcPts val="0"/>
+                        </a:spcBef>
+                        <a:spcAft>
+                          <a:spcPts val="0"/>
+                        </a:spcAft>
+                        <a:buClrTx/>
+                        <a:buSzTx/>
+                        <a:buFontTx/>
+                        <a:buNone/>
+                        <a:tabLst/>
+                        <a:defRPr/>
+                      </a:pPr>
+                      <a:endParaRPr lang="ja-JP" altLang="en-US" sz="1800" b="0" dirty="0">
+                        <a:effectLst/>
+                        <a:latin typeface="+mj-ea"/>
+                        <a:ea typeface="+mj-ea"/>
+                      </a:endParaRPr>
+                    </a:p>
+                  </a:txBody>
+                  <a:tcPr anchor="ctr">
+                    <a:lnL w="12700" cap="flat" cmpd="sng" algn="ctr">
+                      <a:solidFill>
+                        <a:schemeClr val="tx1"/>
+                      </a:solidFill>
+                      <a:prstDash val="solid"/>
+                      <a:round/>
+                      <a:headEnd type="none" w="med" len="med"/>
+                      <a:tailEnd type="none" w="med" len="med"/>
+                    </a:lnL>
+                    <a:lnR w="12700" cap="flat" cmpd="sng" algn="ctr">
+                      <a:solidFill>
+                        <a:schemeClr val="tx1"/>
+                      </a:solidFill>
+                      <a:prstDash val="solid"/>
+                      <a:round/>
+                      <a:headEnd type="none" w="med" len="med"/>
+                      <a:tailEnd type="none" w="med" len="med"/>
+                    </a:lnR>
+                    <a:lnT w="12700" cap="flat" cmpd="sng" algn="ctr">
+                      <a:solidFill>
+                        <a:schemeClr val="tx1"/>
+                      </a:solidFill>
+                      <a:prstDash val="solid"/>
+                      <a:round/>
+                      <a:headEnd type="none" w="med" len="med"/>
+                      <a:tailEnd type="none" w="med" len="med"/>
+                    </a:lnT>
+                    <a:lnB w="12700" cap="flat" cmpd="sng" algn="ctr">
+                      <a:solidFill>
+                        <a:schemeClr val="tx1"/>
+                      </a:solidFill>
+                      <a:prstDash val="solid"/>
+                      <a:round/>
+                      <a:headEnd type="none" w="med" len="med"/>
+                      <a:tailEnd type="none" w="med" len="med"/>
+                    </a:lnB>
+                    <a:solidFill>
+                      <a:schemeClr val="bg1"/>
+                    </a:solidFill>
+                  </a:tcPr>
+                </a:tc>
+              </a:tr>
+              <a:tr h="370840">
+                <a:tc>
+                  <a:txBody>
+                    <a:bodyPr/>
+                    <a:lstStyle/>
+                    <a:p>
+                      <a:r>
+                        <a:rPr kumimoji="1" lang="ja-JP" altLang="en-US" b="0" dirty="0" smtClean="0">
+                          <a:ln>
+                            <a:solidFill>
+                              <a:schemeClr val="tx1"/>
+                            </a:solidFill>
+                          </a:ln>
+                          <a:solidFill>
+                            <a:schemeClr val="tx1"/>
+                          </a:solidFill>
+                          <a:latin typeface="+mn-lt"/>
+                        </a:rPr>
+                        <a:t>タイトル</a:t>
+                      </a:r>
+                      <a:endParaRPr kumimoji="1" lang="ja-JP" altLang="en-US" b="0" dirty="0">
+                        <a:ln>
+                          <a:solidFill>
+                            <a:schemeClr val="tx1"/>
+                          </a:solidFill>
+                        </a:ln>
+                        <a:solidFill>
+                          <a:schemeClr val="tx1"/>
+                        </a:solidFill>
+                        <a:latin typeface="+mn-lt"/>
+                      </a:endParaRPr>
+                    </a:p>
+                  </a:txBody>
+                  <a:tcPr>
+                    <a:lnL w="12700" cap="flat" cmpd="sng" algn="ctr">
+                      <a:solidFill>
+                        <a:schemeClr val="tx1"/>
+                      </a:solidFill>
+                      <a:prstDash val="solid"/>
+                      <a:round/>
+                      <a:headEnd type="none" w="med" len="med"/>
+                      <a:tailEnd type="none" w="med" len="med"/>
+                    </a:lnL>
+                    <a:lnR w="12700" cap="flat" cmpd="sng" algn="ctr">
+                      <a:solidFill>
+                        <a:schemeClr val="tx1"/>
+                      </a:solidFill>
+                      <a:prstDash val="solid"/>
+                      <a:round/>
+                      <a:headEnd type="none" w="med" len="med"/>
+                      <a:tailEnd type="none" w="med" len="med"/>
+                    </a:lnR>
+                    <a:lnT w="12700" cap="flat" cmpd="sng" algn="ctr">
+                      <a:solidFill>
+                        <a:schemeClr val="tx1"/>
+                      </a:solidFill>
+                      <a:prstDash val="solid"/>
+                      <a:round/>
+                      <a:headEnd type="none" w="med" len="med"/>
+                      <a:tailEnd type="none" w="med" len="med"/>
+                    </a:lnT>
+                    <a:lnB w="12700" cap="flat" cmpd="sng" algn="ctr">
+                      <a:solidFill>
+                        <a:schemeClr val="tx1"/>
+                      </a:solidFill>
+                      <a:prstDash val="solid"/>
+                      <a:round/>
+                      <a:headEnd type="none" w="med" len="med"/>
+                      <a:tailEnd type="none" w="med" len="med"/>
+                    </a:lnB>
+                    <a:solidFill>
+                      <a:schemeClr val="accent5">
+                        <a:lumMod val="20000"/>
+                        <a:lumOff val="80000"/>
+                      </a:schemeClr>
+                    </a:solidFill>
+                  </a:tcPr>
+                </a:tc>
+                <a:tc>
+                  <a:txBody>
+                    <a:bodyPr/>
+                    <a:lstStyle/>
+                    <a:p>
+                      <a:endParaRPr lang="en-US" altLang="ja-JP" sz="1800" b="0" dirty="0" smtClean="0">
+                        <a:effectLst/>
+                        <a:latin typeface="+mj-ea"/>
+                        <a:ea typeface="+mj-ea"/>
+                      </a:endParaRPr>
+                    </a:p>
+                  </a:txBody>
+                  <a:tcPr anchor="ctr">
+                    <a:lnL w="12700" cap="flat" cmpd="sng" algn="ctr">
+                      <a:solidFill>
+                        <a:schemeClr val="tx1"/>
+                      </a:solidFill>
+                      <a:prstDash val="solid"/>
+                      <a:round/>
+                      <a:headEnd type="none" w="med" len="med"/>
+                      <a:tailEnd type="none" w="med" len="med"/>
+                    </a:lnL>
+                    <a:lnR w="12700" cap="flat" cmpd="sng" algn="ctr">
+                      <a:solidFill>
+                        <a:schemeClr val="tx1"/>
+                      </a:solidFill>
+                      <a:prstDash val="solid"/>
+                      <a:round/>
+                      <a:headEnd type="none" w="med" len="med"/>
+                      <a:tailEnd type="none" w="med" len="med"/>
+                    </a:lnR>
+                    <a:lnT w="12700" cap="flat" cmpd="sng" algn="ctr">
+                      <a:solidFill>
+                        <a:schemeClr val="tx1"/>
+                      </a:solidFill>
+                      <a:prstDash val="solid"/>
+                      <a:round/>
+                      <a:headEnd type="none" w="med" len="med"/>
+                      <a:tailEnd type="none" w="med" len="med"/>
+                    </a:lnT>
+                    <a:lnB w="12700" cap="flat" cmpd="sng" algn="ctr">
+                      <a:solidFill>
+                        <a:schemeClr val="tx1"/>
+                      </a:solidFill>
+                      <a:prstDash val="solid"/>
+                      <a:round/>
+                      <a:headEnd type="none" w="med" len="med"/>
+                      <a:tailEnd type="none" w="med" len="med"/>
+                    </a:lnB>
+                    <a:solidFill>
+                      <a:schemeClr val="bg1"/>
+                    </a:solidFill>
+                  </a:tcPr>
+                </a:tc>
+              </a:tr>
+            </a:tbl>
+          </a:graphicData>
+        </a:graphic>
+      </p:graphicFrame>
+    </p:spTree>
+    <p:extLst>
+      <p:ext uri="{BB962C8B-B14F-4D97-AF65-F5344CB8AC3E}">
+        <p14:creationId xmlns:p14="http://schemas.microsoft.com/office/powerpoint/2010/main" val="1941235114"/>
       </p:ext>
     </p:extLst>
   </p:cSld>
